--- a/16. DFD Essencial para cada Capacidade.pptx
+++ b/16. DFD Essencial para cada Capacidade.pptx
@@ -108,6 +108,11 @@
       </a:defRPr>
     </a:lvl9pPr>
   </p:defaultTextStyle>
+  <p:extLst>
+    <p:ext uri="{EFAFB233-063F-42B5-8137-9DF3F51BA10A}">
+      <p15:sldGuideLst xmlns:p15="http://schemas.microsoft.com/office/powerpoint/2012/main"/>
+    </p:ext>
+  </p:extLst>
 </p:presentation>
 </file>
 
@@ -262,7 +267,7 @@
           <a:p>
             <a:fld id="{0B77D0A4-65C1-4F62-8728-B8AFB490C3C2}" type="datetimeFigureOut">
               <a:rPr lang="pt-BR" smtClean="0"/>
-              <a:t>03/05/2018</a:t>
+              <a:t>14/05/2018</a:t>
             </a:fld>
             <a:endParaRPr lang="pt-BR"/>
           </a:p>
@@ -460,7 +465,7 @@
           <a:p>
             <a:fld id="{0B77D0A4-65C1-4F62-8728-B8AFB490C3C2}" type="datetimeFigureOut">
               <a:rPr lang="pt-BR" smtClean="0"/>
-              <a:t>03/05/2018</a:t>
+              <a:t>14/05/2018</a:t>
             </a:fld>
             <a:endParaRPr lang="pt-BR"/>
           </a:p>
@@ -668,7 +673,7 @@
           <a:p>
             <a:fld id="{0B77D0A4-65C1-4F62-8728-B8AFB490C3C2}" type="datetimeFigureOut">
               <a:rPr lang="pt-BR" smtClean="0"/>
-              <a:t>03/05/2018</a:t>
+              <a:t>14/05/2018</a:t>
             </a:fld>
             <a:endParaRPr lang="pt-BR"/>
           </a:p>
@@ -866,7 +871,7 @@
           <a:p>
             <a:fld id="{0B77D0A4-65C1-4F62-8728-B8AFB490C3C2}" type="datetimeFigureOut">
               <a:rPr lang="pt-BR" smtClean="0"/>
-              <a:t>03/05/2018</a:t>
+              <a:t>14/05/2018</a:t>
             </a:fld>
             <a:endParaRPr lang="pt-BR"/>
           </a:p>
@@ -1141,7 +1146,7 @@
           <a:p>
             <a:fld id="{0B77D0A4-65C1-4F62-8728-B8AFB490C3C2}" type="datetimeFigureOut">
               <a:rPr lang="pt-BR" smtClean="0"/>
-              <a:t>03/05/2018</a:t>
+              <a:t>14/05/2018</a:t>
             </a:fld>
             <a:endParaRPr lang="pt-BR"/>
           </a:p>
@@ -1406,7 +1411,7 @@
           <a:p>
             <a:fld id="{0B77D0A4-65C1-4F62-8728-B8AFB490C3C2}" type="datetimeFigureOut">
               <a:rPr lang="pt-BR" smtClean="0"/>
-              <a:t>03/05/2018</a:t>
+              <a:t>14/05/2018</a:t>
             </a:fld>
             <a:endParaRPr lang="pt-BR"/>
           </a:p>
@@ -1818,7 +1823,7 @@
           <a:p>
             <a:fld id="{0B77D0A4-65C1-4F62-8728-B8AFB490C3C2}" type="datetimeFigureOut">
               <a:rPr lang="pt-BR" smtClean="0"/>
-              <a:t>03/05/2018</a:t>
+              <a:t>14/05/2018</a:t>
             </a:fld>
             <a:endParaRPr lang="pt-BR"/>
           </a:p>
@@ -1959,7 +1964,7 @@
           <a:p>
             <a:fld id="{0B77D0A4-65C1-4F62-8728-B8AFB490C3C2}" type="datetimeFigureOut">
               <a:rPr lang="pt-BR" smtClean="0"/>
-              <a:t>03/05/2018</a:t>
+              <a:t>14/05/2018</a:t>
             </a:fld>
             <a:endParaRPr lang="pt-BR"/>
           </a:p>
@@ -2072,7 +2077,7 @@
           <a:p>
             <a:fld id="{0B77D0A4-65C1-4F62-8728-B8AFB490C3C2}" type="datetimeFigureOut">
               <a:rPr lang="pt-BR" smtClean="0"/>
-              <a:t>03/05/2018</a:t>
+              <a:t>14/05/2018</a:t>
             </a:fld>
             <a:endParaRPr lang="pt-BR"/>
           </a:p>
@@ -2383,7 +2388,7 @@
           <a:p>
             <a:fld id="{0B77D0A4-65C1-4F62-8728-B8AFB490C3C2}" type="datetimeFigureOut">
               <a:rPr lang="pt-BR" smtClean="0"/>
-              <a:t>03/05/2018</a:t>
+              <a:t>14/05/2018</a:t>
             </a:fld>
             <a:endParaRPr lang="pt-BR"/>
           </a:p>
@@ -2671,7 +2676,7 @@
           <a:p>
             <a:fld id="{0B77D0A4-65C1-4F62-8728-B8AFB490C3C2}" type="datetimeFigureOut">
               <a:rPr lang="pt-BR" smtClean="0"/>
-              <a:t>03/05/2018</a:t>
+              <a:t>14/05/2018</a:t>
             </a:fld>
             <a:endParaRPr lang="pt-BR"/>
           </a:p>
@@ -2912,7 +2917,7 @@
           <a:p>
             <a:fld id="{0B77D0A4-65C1-4F62-8728-B8AFB490C3C2}" type="datetimeFigureOut">
               <a:rPr lang="pt-BR" smtClean="0"/>
-              <a:t>03/05/2018</a:t>
+              <a:t>14/05/2018</a:t>
             </a:fld>
             <a:endParaRPr lang="pt-BR"/>
           </a:p>
@@ -3331,10 +3336,10 @@
       </p:grpSpPr>
       <p:pic>
         <p:nvPicPr>
-          <p:cNvPr id="3" name="Imagem 2">
-            <a:extLst>
-              <a:ext uri="{FF2B5EF4-FFF2-40B4-BE49-F238E27FC236}">
-                <a16:creationId xmlns:a16="http://schemas.microsoft.com/office/drawing/2014/main" id="{CC9C2C94-A622-4955-9E1A-9C2FCC99C73A}"/>
+          <p:cNvPr id="4" name="Imagem 3">
+            <a:extLst>
+              <a:ext uri="{FF2B5EF4-FFF2-40B4-BE49-F238E27FC236}">
+                <a16:creationId xmlns:a16="http://schemas.microsoft.com/office/drawing/2014/main" id="{8C631DB9-DBCF-40C4-9F3F-DAF389760A14}"/>
               </a:ext>
             </a:extLst>
           </p:cNvPr>
@@ -3397,10 +3402,10 @@
       </p:grpSpPr>
       <p:pic>
         <p:nvPicPr>
-          <p:cNvPr id="3" name="Imagem 2">
-            <a:extLst>
-              <a:ext uri="{FF2B5EF4-FFF2-40B4-BE49-F238E27FC236}">
-                <a16:creationId xmlns:a16="http://schemas.microsoft.com/office/drawing/2014/main" id="{04B04B35-254C-4C13-B46B-D58296FAF878}"/>
+          <p:cNvPr id="4" name="Imagem 3">
+            <a:extLst>
+              <a:ext uri="{FF2B5EF4-FFF2-40B4-BE49-F238E27FC236}">
+                <a16:creationId xmlns:a16="http://schemas.microsoft.com/office/drawing/2014/main" id="{72713749-C49B-435B-929C-101CBDC6B60F}"/>
               </a:ext>
             </a:extLst>
           </p:cNvPr>
@@ -3463,10 +3468,10 @@
       </p:grpSpPr>
       <p:pic>
         <p:nvPicPr>
-          <p:cNvPr id="3" name="Imagem 2">
-            <a:extLst>
-              <a:ext uri="{FF2B5EF4-FFF2-40B4-BE49-F238E27FC236}">
-                <a16:creationId xmlns:a16="http://schemas.microsoft.com/office/drawing/2014/main" id="{6FBA6FA4-FF9A-4BB8-A750-3C5C30B554E1}"/>
+          <p:cNvPr id="4" name="Imagem 3">
+            <a:extLst>
+              <a:ext uri="{FF2B5EF4-FFF2-40B4-BE49-F238E27FC236}">
+                <a16:creationId xmlns:a16="http://schemas.microsoft.com/office/drawing/2014/main" id="{DA8EFBE6-8650-43FB-9071-6CF888C8E259}"/>
               </a:ext>
             </a:extLst>
           </p:cNvPr>
@@ -3529,10 +3534,10 @@
       </p:grpSpPr>
       <p:pic>
         <p:nvPicPr>
-          <p:cNvPr id="3" name="Imagem 2">
-            <a:extLst>
-              <a:ext uri="{FF2B5EF4-FFF2-40B4-BE49-F238E27FC236}">
-                <a16:creationId xmlns:a16="http://schemas.microsoft.com/office/drawing/2014/main" id="{325CE523-5DC2-4BE6-865C-898D593E6CD1}"/>
+          <p:cNvPr id="4" name="Imagem 3">
+            <a:extLst>
+              <a:ext uri="{FF2B5EF4-FFF2-40B4-BE49-F238E27FC236}">
+                <a16:creationId xmlns:a16="http://schemas.microsoft.com/office/drawing/2014/main" id="{D2531717-32F3-450F-AF5B-5A1138873943}"/>
               </a:ext>
             </a:extLst>
           </p:cNvPr>
@@ -3555,8 +3560,8 @@
         </p:blipFill>
         <p:spPr>
           <a:xfrm>
-            <a:off x="1548063" y="0"/>
-            <a:ext cx="9095874" cy="6858000"/>
+            <a:off x="1208857" y="0"/>
+            <a:ext cx="9774286" cy="6858000"/>
           </a:xfrm>
           <a:prstGeom prst="rect">
             <a:avLst/>
@@ -3595,10 +3600,10 @@
       </p:grpSpPr>
       <p:pic>
         <p:nvPicPr>
-          <p:cNvPr id="3" name="Imagem 2">
-            <a:extLst>
-              <a:ext uri="{FF2B5EF4-FFF2-40B4-BE49-F238E27FC236}">
-                <a16:creationId xmlns:a16="http://schemas.microsoft.com/office/drawing/2014/main" id="{A6A07221-EF92-486D-8340-20A48EF40077}"/>
+          <p:cNvPr id="4" name="Imagem 3">
+            <a:extLst>
+              <a:ext uri="{FF2B5EF4-FFF2-40B4-BE49-F238E27FC236}">
+                <a16:creationId xmlns:a16="http://schemas.microsoft.com/office/drawing/2014/main" id="{8D9762F6-F50E-4891-96B0-0E32909829AA}"/>
               </a:ext>
             </a:extLst>
           </p:cNvPr>
@@ -3621,8 +3626,8 @@
         </p:blipFill>
         <p:spPr>
           <a:xfrm>
-            <a:off x="2442934" y="0"/>
-            <a:ext cx="7306131" cy="6858000"/>
+            <a:off x="1747837" y="238125"/>
+            <a:ext cx="8696325" cy="6381750"/>
           </a:xfrm>
           <a:prstGeom prst="rect">
             <a:avLst/>
